--- a/img/logo.pptx
+++ b/img/logo.pptx
@@ -1023,7 +1023,7 @@
           <a:p>
             <a:fld id="{256120C6-0399-4570-B62F-DF83EF7AEF51}" type="datetimeFigureOut">
               <a:rPr lang="en-US" smtClean="0"/>
-              <a:t>25-Jun-22</a:t>
+              <a:t>02-Jul-22</a:t>
             </a:fld>
             <a:endParaRPr lang="en-US"/>
           </a:p>
@@ -1193,7 +1193,7 @@
           <a:p>
             <a:fld id="{256120C6-0399-4570-B62F-DF83EF7AEF51}" type="datetimeFigureOut">
               <a:rPr lang="en-US" smtClean="0"/>
-              <a:t>25-Jun-22</a:t>
+              <a:t>02-Jul-22</a:t>
             </a:fld>
             <a:endParaRPr lang="en-US"/>
           </a:p>
@@ -1373,7 +1373,7 @@
           <a:p>
             <a:fld id="{256120C6-0399-4570-B62F-DF83EF7AEF51}" type="datetimeFigureOut">
               <a:rPr lang="en-US" smtClean="0"/>
-              <a:t>25-Jun-22</a:t>
+              <a:t>02-Jul-22</a:t>
             </a:fld>
             <a:endParaRPr lang="en-US"/>
           </a:p>
@@ -1543,7 +1543,7 @@
           <a:p>
             <a:fld id="{256120C6-0399-4570-B62F-DF83EF7AEF51}" type="datetimeFigureOut">
               <a:rPr lang="en-US" smtClean="0"/>
-              <a:t>25-Jun-22</a:t>
+              <a:t>02-Jul-22</a:t>
             </a:fld>
             <a:endParaRPr lang="en-US"/>
           </a:p>
@@ -1787,7 +1787,7 @@
           <a:p>
             <a:fld id="{256120C6-0399-4570-B62F-DF83EF7AEF51}" type="datetimeFigureOut">
               <a:rPr lang="en-US" smtClean="0"/>
-              <a:t>25-Jun-22</a:t>
+              <a:t>02-Jul-22</a:t>
             </a:fld>
             <a:endParaRPr lang="en-US"/>
           </a:p>
@@ -2019,7 +2019,7 @@
           <a:p>
             <a:fld id="{256120C6-0399-4570-B62F-DF83EF7AEF51}" type="datetimeFigureOut">
               <a:rPr lang="en-US" smtClean="0"/>
-              <a:t>25-Jun-22</a:t>
+              <a:t>02-Jul-22</a:t>
             </a:fld>
             <a:endParaRPr lang="en-US"/>
           </a:p>
@@ -2386,7 +2386,7 @@
           <a:p>
             <a:fld id="{256120C6-0399-4570-B62F-DF83EF7AEF51}" type="datetimeFigureOut">
               <a:rPr lang="en-US" smtClean="0"/>
-              <a:t>25-Jun-22</a:t>
+              <a:t>02-Jul-22</a:t>
             </a:fld>
             <a:endParaRPr lang="en-US"/>
           </a:p>
@@ -2504,7 +2504,7 @@
           <a:p>
             <a:fld id="{256120C6-0399-4570-B62F-DF83EF7AEF51}" type="datetimeFigureOut">
               <a:rPr lang="en-US" smtClean="0"/>
-              <a:t>25-Jun-22</a:t>
+              <a:t>02-Jul-22</a:t>
             </a:fld>
             <a:endParaRPr lang="en-US"/>
           </a:p>
@@ -2599,7 +2599,7 @@
           <a:p>
             <a:fld id="{256120C6-0399-4570-B62F-DF83EF7AEF51}" type="datetimeFigureOut">
               <a:rPr lang="en-US" smtClean="0"/>
-              <a:t>25-Jun-22</a:t>
+              <a:t>02-Jul-22</a:t>
             </a:fld>
             <a:endParaRPr lang="en-US"/>
           </a:p>
@@ -2876,7 +2876,7 @@
           <a:p>
             <a:fld id="{256120C6-0399-4570-B62F-DF83EF7AEF51}" type="datetimeFigureOut">
               <a:rPr lang="en-US" smtClean="0"/>
-              <a:t>25-Jun-22</a:t>
+              <a:t>02-Jul-22</a:t>
             </a:fld>
             <a:endParaRPr lang="en-US"/>
           </a:p>
@@ -3133,7 +3133,7 @@
           <a:p>
             <a:fld id="{256120C6-0399-4570-B62F-DF83EF7AEF51}" type="datetimeFigureOut">
               <a:rPr lang="en-US" smtClean="0"/>
-              <a:t>25-Jun-22</a:t>
+              <a:t>02-Jul-22</a:t>
             </a:fld>
             <a:endParaRPr lang="en-US"/>
           </a:p>
@@ -3346,7 +3346,7 @@
           <a:p>
             <a:fld id="{256120C6-0399-4570-B62F-DF83EF7AEF51}" type="datetimeFigureOut">
               <a:rPr lang="en-US" smtClean="0"/>
-              <a:t>25-Jun-22</a:t>
+              <a:t>02-Jul-22</a:t>
             </a:fld>
             <a:endParaRPr lang="en-US"/>
           </a:p>
@@ -3737,6 +3737,17 @@
 <file path=ppt/slides/slide1.xml><?xml version="1.0" encoding="utf-8"?>
 <p:sld xmlns:a="http://schemas.openxmlformats.org/drawingml/2006/main" xmlns:r="http://schemas.openxmlformats.org/officeDocument/2006/relationships" xmlns:p="http://schemas.openxmlformats.org/presentationml/2006/main">
   <p:cSld>
+    <p:bg>
+      <p:bgPr>
+        <a:solidFill>
+          <a:schemeClr val="accent4">
+            <a:lumMod val="60000"/>
+            <a:lumOff val="40000"/>
+          </a:schemeClr>
+        </a:solidFill>
+        <a:effectLst/>
+      </p:bgPr>
+    </p:bg>
     <p:spTree>
       <p:nvGrpSpPr>
         <p:cNvPr id="1" name=""/>
@@ -3753,10 +3764,10 @@
       </p:grpSpPr>
       <p:grpSp>
         <p:nvGrpSpPr>
-          <p:cNvPr id="2" name="Group 1">
+          <p:cNvPr id="9" name="Group 8">
             <a:extLst>
               <a:ext uri="{FF2B5EF4-FFF2-40B4-BE49-F238E27FC236}">
-                <a16:creationId xmlns:a16="http://schemas.microsoft.com/office/drawing/2014/main" id="{37FE62F6-691D-4BE3-BB3C-D26535EABB11}"/>
+                <a16:creationId xmlns:a16="http://schemas.microsoft.com/office/drawing/2014/main" id="{D24A39BB-8B66-781F-AA2F-1DB55BDDF352}"/>
               </a:ext>
             </a:extLst>
           </p:cNvPr>
@@ -3765,216 +3776,18 @@
         </p:nvGrpSpPr>
         <p:grpSpPr>
           <a:xfrm>
-            <a:off x="2360742" y="1217742"/>
-            <a:ext cx="4422515" cy="4422515"/>
-            <a:chOff x="2138181" y="1080052"/>
-            <a:chExt cx="4422515" cy="4422515"/>
+            <a:off x="2923059" y="1780059"/>
+            <a:ext cx="3297881" cy="3297881"/>
+            <a:chOff x="2588568" y="1563427"/>
+            <a:chExt cx="3297881" cy="3297881"/>
           </a:xfrm>
         </p:grpSpPr>
-        <p:grpSp>
-          <p:nvGrpSpPr>
-            <p:cNvPr id="8" name="Group 7">
+        <p:sp>
+          <p:nvSpPr>
+            <p:cNvPr id="4" name="Rectangle 3">
               <a:extLst>
                 <a:ext uri="{FF2B5EF4-FFF2-40B4-BE49-F238E27FC236}">
-                  <a16:creationId xmlns:a16="http://schemas.microsoft.com/office/drawing/2014/main" id="{69A47E89-472B-40E8-A9D4-2F5EAC03A790}"/>
-                </a:ext>
-              </a:extLst>
-            </p:cNvPr>
-            <p:cNvGrpSpPr/>
-            <p:nvPr/>
-          </p:nvGrpSpPr>
-          <p:grpSpPr>
-            <a:xfrm rot="1346962">
-              <a:off x="2138181" y="1080052"/>
-              <a:ext cx="4422515" cy="4422515"/>
-              <a:chOff x="1836964" y="2245179"/>
-              <a:chExt cx="2743200" cy="2743200"/>
-            </a:xfrm>
-          </p:grpSpPr>
-          <p:sp>
-            <p:nvSpPr>
-              <p:cNvPr id="5" name="Star: 8 Points 4">
-                <a:extLst>
-                  <a:ext uri="{FF2B5EF4-FFF2-40B4-BE49-F238E27FC236}">
-                    <a16:creationId xmlns:a16="http://schemas.microsoft.com/office/drawing/2014/main" id="{A4F4711C-54EB-4FC2-B44F-56DE40C4ECC2}"/>
-                  </a:ext>
-                </a:extLst>
-              </p:cNvPr>
-              <p:cNvSpPr/>
-              <p:nvPr/>
-            </p:nvSpPr>
-            <p:spPr>
-              <a:xfrm>
-                <a:off x="1836964" y="2245179"/>
-                <a:ext cx="2743200" cy="2743200"/>
-              </a:xfrm>
-              <a:prstGeom prst="star8">
-                <a:avLst>
-                  <a:gd name="adj" fmla="val 31251"/>
-                </a:avLst>
-              </a:prstGeom>
-              <a:gradFill flip="none" rotWithShape="1">
-                <a:gsLst>
-                  <a:gs pos="0">
-                    <a:schemeClr val="tx1"/>
-                  </a:gs>
-                  <a:gs pos="75000">
-                    <a:schemeClr val="bg1">
-                      <a:lumMod val="75000"/>
-                    </a:schemeClr>
-                  </a:gs>
-                </a:gsLst>
-                <a:path path="circle">
-                  <a:fillToRect l="50000" t="50000" r="50000" b="50000"/>
-                </a:path>
-                <a:tileRect/>
-              </a:gradFill>
-              <a:ln>
-                <a:noFill/>
-              </a:ln>
-            </p:spPr>
-            <p:style>
-              <a:lnRef idx="2">
-                <a:schemeClr val="accent1">
-                  <a:shade val="50000"/>
-                </a:schemeClr>
-              </a:lnRef>
-              <a:fillRef idx="1">
-                <a:schemeClr val="accent1"/>
-              </a:fillRef>
-              <a:effectRef idx="0">
-                <a:schemeClr val="accent1"/>
-              </a:effectRef>
-              <a:fontRef idx="minor">
-                <a:schemeClr val="lt1"/>
-              </a:fontRef>
-            </p:style>
-            <p:txBody>
-              <a:bodyPr rtlCol="0" anchor="ctr"/>
-              <a:lstStyle/>
-              <a:p>
-                <a:pPr algn="ctr"/>
-                <a:endParaRPr lang="en-US"/>
-              </a:p>
-            </p:txBody>
-          </p:sp>
-          <p:sp>
-            <p:nvSpPr>
-              <p:cNvPr id="6" name="Circle: Hollow 5">
-                <a:extLst>
-                  <a:ext uri="{FF2B5EF4-FFF2-40B4-BE49-F238E27FC236}">
-                    <a16:creationId xmlns:a16="http://schemas.microsoft.com/office/drawing/2014/main" id="{AB4EA327-93E0-43BA-A216-4C2C07B7B4A3}"/>
-                  </a:ext>
-                </a:extLst>
-              </p:cNvPr>
-              <p:cNvSpPr/>
-              <p:nvPr/>
-            </p:nvSpPr>
-            <p:spPr>
-              <a:xfrm>
-                <a:off x="1836964" y="2245179"/>
-                <a:ext cx="2743200" cy="2743200"/>
-              </a:xfrm>
-              <a:prstGeom prst="donut">
-                <a:avLst>
-                  <a:gd name="adj" fmla="val 11382"/>
-                </a:avLst>
-              </a:prstGeom>
-              <a:solidFill>
-                <a:schemeClr val="bg1"/>
-              </a:solidFill>
-              <a:ln>
-                <a:noFill/>
-              </a:ln>
-            </p:spPr>
-            <p:style>
-              <a:lnRef idx="2">
-                <a:schemeClr val="accent1">
-                  <a:shade val="50000"/>
-                </a:schemeClr>
-              </a:lnRef>
-              <a:fillRef idx="1">
-                <a:schemeClr val="accent1"/>
-              </a:fillRef>
-              <a:effectRef idx="0">
-                <a:schemeClr val="accent1"/>
-              </a:effectRef>
-              <a:fontRef idx="minor">
-                <a:schemeClr val="lt1"/>
-              </a:fontRef>
-            </p:style>
-            <p:txBody>
-              <a:bodyPr rtlCol="0" anchor="ctr"/>
-              <a:lstStyle/>
-              <a:p>
-                <a:pPr algn="ctr"/>
-                <a:endParaRPr lang="en-US">
-                  <a:solidFill>
-                    <a:schemeClr val="tx1"/>
-                  </a:solidFill>
-                </a:endParaRPr>
-              </a:p>
-            </p:txBody>
-          </p:sp>
-          <p:sp>
-            <p:nvSpPr>
-              <p:cNvPr id="7" name="Oval 6">
-                <a:extLst>
-                  <a:ext uri="{FF2B5EF4-FFF2-40B4-BE49-F238E27FC236}">
-                    <a16:creationId xmlns:a16="http://schemas.microsoft.com/office/drawing/2014/main" id="{F00293BD-84AD-4CED-BF86-474629B5DCE1}"/>
-                  </a:ext>
-                </a:extLst>
-              </p:cNvPr>
-              <p:cNvSpPr/>
-              <p:nvPr/>
-            </p:nvSpPr>
-            <p:spPr>
-              <a:xfrm>
-                <a:off x="2596626" y="3004841"/>
-                <a:ext cx="1222493" cy="1222493"/>
-              </a:xfrm>
-              <a:prstGeom prst="ellipse">
-                <a:avLst/>
-              </a:prstGeom>
-              <a:solidFill>
-                <a:schemeClr val="bg1"/>
-              </a:solidFill>
-              <a:ln>
-                <a:noFill/>
-              </a:ln>
-            </p:spPr>
-            <p:style>
-              <a:lnRef idx="2">
-                <a:schemeClr val="accent1">
-                  <a:shade val="50000"/>
-                </a:schemeClr>
-              </a:lnRef>
-              <a:fillRef idx="1">
-                <a:schemeClr val="accent1"/>
-              </a:fillRef>
-              <a:effectRef idx="0">
-                <a:schemeClr val="accent1"/>
-              </a:effectRef>
-              <a:fontRef idx="minor">
-                <a:schemeClr val="lt1"/>
-              </a:fontRef>
-            </p:style>
-            <p:txBody>
-              <a:bodyPr rtlCol="0" anchor="ctr"/>
-              <a:lstStyle/>
-              <a:p>
-                <a:pPr algn="ctr"/>
-                <a:endParaRPr lang="en-US"/>
-              </a:p>
-            </p:txBody>
-          </p:sp>
-        </p:grpSp>
-        <p:sp>
-          <p:nvSpPr>
-            <p:cNvPr id="26" name="Chord 25">
-              <a:extLst>
-                <a:ext uri="{FF2B5EF4-FFF2-40B4-BE49-F238E27FC236}">
-                  <a16:creationId xmlns:a16="http://schemas.microsoft.com/office/drawing/2014/main" id="{E7395F4E-0F3F-4DFA-9ED8-F6337FDBA0DD}"/>
+                  <a16:creationId xmlns:a16="http://schemas.microsoft.com/office/drawing/2014/main" id="{AFD802FB-123F-7AD6-8BAC-1A4EF640534E}"/>
                 </a:ext>
               </a:extLst>
             </p:cNvPr>
@@ -3982,15 +3795,12 @@
             <p:nvPr/>
           </p:nvSpPr>
           <p:spPr>
-            <a:xfrm rot="10800000">
-              <a:off x="2786789" y="1720496"/>
-              <a:ext cx="3141627" cy="3141627"/>
+            <a:xfrm>
+              <a:off x="2588568" y="1563427"/>
+              <a:ext cx="3297881" cy="3297881"/>
             </a:xfrm>
-            <a:prstGeom prst="chord">
-              <a:avLst>
-                <a:gd name="adj1" fmla="val 5388632"/>
-                <a:gd name="adj2" fmla="val 16200000"/>
-              </a:avLst>
+            <a:prstGeom prst="rect">
+              <a:avLst/>
             </a:prstGeom>
             <a:solidFill>
               <a:schemeClr val="bg1"/>
@@ -4026,10 +3836,10 @@
         </p:sp>
         <p:sp>
           <p:nvSpPr>
-            <p:cNvPr id="23" name="Chord 22">
+            <p:cNvPr id="12" name="Parallelogram 11">
               <a:extLst>
                 <a:ext uri="{FF2B5EF4-FFF2-40B4-BE49-F238E27FC236}">
-                  <a16:creationId xmlns:a16="http://schemas.microsoft.com/office/drawing/2014/main" id="{9B628807-D62E-47B9-B68B-7C4AE0628D7D}"/>
+                  <a16:creationId xmlns:a16="http://schemas.microsoft.com/office/drawing/2014/main" id="{B5B8D46E-6D27-FF5B-7EA0-2C526961DDBE}"/>
                 </a:ext>
               </a:extLst>
             </p:cNvPr>
@@ -4037,39 +3847,25 @@
             <p:nvPr/>
           </p:nvSpPr>
           <p:spPr>
-            <a:xfrm rot="10800000">
-              <a:off x="2970393" y="1912264"/>
-              <a:ext cx="2758091" cy="2758091"/>
+            <a:xfrm rot="5400000">
+              <a:off x="3301124" y="2596147"/>
+              <a:ext cx="1243794" cy="1608200"/>
             </a:xfrm>
-            <a:prstGeom prst="chord">
+            <a:prstGeom prst="parallelogram">
               <a:avLst>
-                <a:gd name="adj1" fmla="val 5388632"/>
-                <a:gd name="adj2" fmla="val 16200000"/>
+                <a:gd name="adj" fmla="val 44055"/>
               </a:avLst>
             </a:prstGeom>
             <a:gradFill flip="none" rotWithShape="1">
               <a:gsLst>
                 <a:gs pos="0">
-                  <a:schemeClr val="accent2">
-                    <a:lumMod val="40000"/>
-                    <a:lumOff val="60000"/>
-                  </a:schemeClr>
-                </a:gs>
-                <a:gs pos="46000">
-                  <a:schemeClr val="accent2">
-                    <a:lumMod val="95000"/>
-                    <a:lumOff val="5000"/>
-                  </a:schemeClr>
+                  <a:schemeClr val="tx1"/>
                 </a:gs>
                 <a:gs pos="100000">
-                  <a:schemeClr val="accent2">
-                    <a:lumMod val="60000"/>
-                  </a:schemeClr>
+                  <a:srgbClr val="7030A0"/>
                 </a:gs>
               </a:gsLst>
-              <a:path path="circle">
-                <a:fillToRect l="50000" t="130000" r="50000" b="-30000"/>
-              </a:path>
+              <a:lin ang="8100000" scaled="1"/>
               <a:tileRect/>
             </a:gradFill>
             <a:ln>
@@ -4103,10 +3899,10 @@
         </p:sp>
         <p:sp>
           <p:nvSpPr>
-            <p:cNvPr id="24" name="Chord 23">
+            <p:cNvPr id="13" name="Parallelogram 12">
               <a:extLst>
                 <a:ext uri="{FF2B5EF4-FFF2-40B4-BE49-F238E27FC236}">
-                  <a16:creationId xmlns:a16="http://schemas.microsoft.com/office/drawing/2014/main" id="{F4A7E58D-E849-4130-99A9-87F70FD7CD0E}"/>
+                  <a16:creationId xmlns:a16="http://schemas.microsoft.com/office/drawing/2014/main" id="{6EF39071-048C-29AB-EFA7-072B59EFB2AA}"/>
                 </a:ext>
               </a:extLst>
             </p:cNvPr>
@@ -4114,40 +3910,25 @@
             <p:nvPr/>
           </p:nvSpPr>
           <p:spPr>
-            <a:xfrm rot="10800000">
-              <a:off x="3354473" y="2295464"/>
-              <a:ext cx="1976387" cy="1976387"/>
+            <a:xfrm rot="1126570">
+              <a:off x="3170957" y="2390839"/>
+              <a:ext cx="2158251" cy="680165"/>
             </a:xfrm>
-            <a:prstGeom prst="chord">
+            <a:prstGeom prst="parallelogram">
               <a:avLst>
-                <a:gd name="adj1" fmla="val 5388632"/>
-                <a:gd name="adj2" fmla="val 16200000"/>
+                <a:gd name="adj" fmla="val 68972"/>
               </a:avLst>
             </a:prstGeom>
-            <a:gradFill flip="none" rotWithShape="1">
+            <a:gradFill>
               <a:gsLst>
                 <a:gs pos="0">
-                  <a:schemeClr val="accent4">
-                    <a:lumMod val="40000"/>
-                    <a:lumOff val="60000"/>
-                  </a:schemeClr>
-                </a:gs>
-                <a:gs pos="46000">
-                  <a:schemeClr val="accent4">
-                    <a:lumMod val="95000"/>
-                    <a:lumOff val="5000"/>
-                  </a:schemeClr>
+                  <a:srgbClr val="00B050"/>
                 </a:gs>
                 <a:gs pos="100000">
-                  <a:schemeClr val="accent4">
-                    <a:lumMod val="60000"/>
-                  </a:schemeClr>
+                  <a:srgbClr val="7030A0"/>
                 </a:gs>
               </a:gsLst>
-              <a:path path="circle">
-                <a:fillToRect l="50000" t="130000" r="50000" b="-30000"/>
-              </a:path>
-              <a:tileRect/>
+              <a:lin ang="8100000" scaled="1"/>
             </a:gradFill>
             <a:ln>
               <a:noFill/>
@@ -4192,7 +3973,7 @@
           </p:nvSpPr>
           <p:spPr>
             <a:xfrm>
-              <a:off x="3010496" y="2996569"/>
+              <a:off x="2849335" y="2916243"/>
               <a:ext cx="2803785" cy="881335"/>
             </a:xfrm>
             <a:prstGeom prst="rect">
@@ -4202,7 +3983,7 @@
           </p:spPr>
           <p:txBody>
             <a:bodyPr wrap="square" lIns="91440" tIns="45720" rIns="91440" bIns="45720" numCol="1">
-              <a:prstTxWarp prst="textInflateBottom">
+              <a:prstTxWarp prst="textCascadeUp">
                 <a:avLst/>
               </a:prstTxWarp>
               <a:spAutoFit/>
@@ -4214,32 +3995,32 @@
                 <a:rPr lang="en-US" sz="3200" b="1">
                   <a:ln w="12700">
                     <a:solidFill>
-                      <a:schemeClr val="accent3">
-                        <a:lumMod val="50000"/>
+                      <a:schemeClr val="tx2">
+                        <a:lumMod val="75000"/>
                       </a:schemeClr>
                     </a:solidFill>
                     <a:prstDash val="solid"/>
                   </a:ln>
-                  <a:pattFill prst="narHorz">
+                  <a:pattFill prst="dkUpDiag">
                     <a:fgClr>
-                      <a:schemeClr val="accent3"/>
+                      <a:schemeClr val="tx2"/>
                     </a:fgClr>
                     <a:bgClr>
-                      <a:schemeClr val="accent3">
-                        <a:lumMod val="40000"/>
-                        <a:lumOff val="60000"/>
+                      <a:schemeClr val="tx2">
+                        <a:lumMod val="20000"/>
+                        <a:lumOff val="80000"/>
                       </a:schemeClr>
                     </a:bgClr>
                   </a:pattFill>
                   <a:effectLst>
-                    <a:innerShdw blurRad="177800">
-                      <a:schemeClr val="accent3">
-                        <a:lumMod val="50000"/>
+                    <a:outerShdw dist="38100" dir="2640000" algn="bl" rotWithShape="0">
+                      <a:schemeClr val="tx2">
+                        <a:lumMod val="75000"/>
                       </a:schemeClr>
-                    </a:innerShdw>
+                    </a:outerShdw>
                   </a:effectLst>
                 </a:rPr>
-                <a:t>Mech Bio</a:t>
+                <a:t>Models Box</a:t>
               </a:r>
             </a:p>
           </p:txBody>
